--- a/input/images-source/US_Core_Roadmap_CGP.pptx
+++ b/input/images-source/US_Core_Roadmap_CGP.pptx
@@ -199,7 +199,7 @@
           <a:p>
             <a:fld id="{150C2F9B-58DB-4008-85B5-323C17D852A2}" type="datetimeFigureOut">
               <a:rPr lang="en-US" smtClean="0"/>
-              <a:t>3/26/2024</a:t>
+              <a:t>4/30/25</a:t>
             </a:fld>
             <a:endParaRPr lang="en-US"/>
           </a:p>
@@ -880,7 +880,7 @@
           <a:p>
             <a:fld id="{F30F38B3-7E84-4D0A-A97F-23FF013A5996}" type="datetimeFigureOut">
               <a:rPr lang="en-US" smtClean="0"/>
-              <a:t>3/26/2024</a:t>
+              <a:t>4/30/25</a:t>
             </a:fld>
             <a:endParaRPr lang="en-US"/>
           </a:p>
@@ -1048,7 +1048,7 @@
           <a:p>
             <a:fld id="{F30F38B3-7E84-4D0A-A97F-23FF013A5996}" type="datetimeFigureOut">
               <a:rPr lang="en-US" smtClean="0"/>
-              <a:t>3/26/2024</a:t>
+              <a:t>4/30/25</a:t>
             </a:fld>
             <a:endParaRPr lang="en-US"/>
           </a:p>
@@ -1226,7 +1226,7 @@
           <a:p>
             <a:fld id="{F30F38B3-7E84-4D0A-A97F-23FF013A5996}" type="datetimeFigureOut">
               <a:rPr lang="en-US" smtClean="0"/>
-              <a:t>3/26/2024</a:t>
+              <a:t>4/30/25</a:t>
             </a:fld>
             <a:endParaRPr lang="en-US"/>
           </a:p>
@@ -1394,7 +1394,7 @@
           <a:p>
             <a:fld id="{F30F38B3-7E84-4D0A-A97F-23FF013A5996}" type="datetimeFigureOut">
               <a:rPr lang="en-US" smtClean="0"/>
-              <a:t>3/26/2024</a:t>
+              <a:t>4/30/25</a:t>
             </a:fld>
             <a:endParaRPr lang="en-US"/>
           </a:p>
@@ -1639,7 +1639,7 @@
           <a:p>
             <a:fld id="{F30F38B3-7E84-4D0A-A97F-23FF013A5996}" type="datetimeFigureOut">
               <a:rPr lang="en-US" smtClean="0"/>
-              <a:t>3/26/2024</a:t>
+              <a:t>4/30/25</a:t>
             </a:fld>
             <a:endParaRPr lang="en-US"/>
           </a:p>
@@ -1868,7 +1868,7 @@
           <a:p>
             <a:fld id="{F30F38B3-7E84-4D0A-A97F-23FF013A5996}" type="datetimeFigureOut">
               <a:rPr lang="en-US" smtClean="0"/>
-              <a:t>3/26/2024</a:t>
+              <a:t>4/30/25</a:t>
             </a:fld>
             <a:endParaRPr lang="en-US"/>
           </a:p>
@@ -2232,7 +2232,7 @@
           <a:p>
             <a:fld id="{F30F38B3-7E84-4D0A-A97F-23FF013A5996}" type="datetimeFigureOut">
               <a:rPr lang="en-US" smtClean="0"/>
-              <a:t>3/26/2024</a:t>
+              <a:t>4/30/25</a:t>
             </a:fld>
             <a:endParaRPr lang="en-US"/>
           </a:p>
@@ -2349,7 +2349,7 @@
           <a:p>
             <a:fld id="{F30F38B3-7E84-4D0A-A97F-23FF013A5996}" type="datetimeFigureOut">
               <a:rPr lang="en-US" smtClean="0"/>
-              <a:t>3/26/2024</a:t>
+              <a:t>4/30/25</a:t>
             </a:fld>
             <a:endParaRPr lang="en-US"/>
           </a:p>
@@ -2444,7 +2444,7 @@
           <a:p>
             <a:fld id="{F30F38B3-7E84-4D0A-A97F-23FF013A5996}" type="datetimeFigureOut">
               <a:rPr lang="en-US" smtClean="0"/>
-              <a:t>3/26/2024</a:t>
+              <a:t>4/30/25</a:t>
             </a:fld>
             <a:endParaRPr lang="en-US"/>
           </a:p>
@@ -2719,7 +2719,7 @@
           <a:p>
             <a:fld id="{F30F38B3-7E84-4D0A-A97F-23FF013A5996}" type="datetimeFigureOut">
               <a:rPr lang="en-US" smtClean="0"/>
-              <a:t>3/26/2024</a:t>
+              <a:t>4/30/25</a:t>
             </a:fld>
             <a:endParaRPr lang="en-US"/>
           </a:p>
@@ -2971,7 +2971,7 @@
           <a:p>
             <a:fld id="{F30F38B3-7E84-4D0A-A97F-23FF013A5996}" type="datetimeFigureOut">
               <a:rPr lang="en-US" smtClean="0"/>
-              <a:t>3/26/2024</a:t>
+              <a:t>4/30/25</a:t>
             </a:fld>
             <a:endParaRPr lang="en-US"/>
           </a:p>
@@ -3182,7 +3182,7 @@
           <a:p>
             <a:fld id="{F30F38B3-7E84-4D0A-A97F-23FF013A5996}" type="datetimeFigureOut">
               <a:rPr lang="en-US" smtClean="0"/>
-              <a:t>3/26/2024</a:t>
+              <a:t>4/30/25</a:t>
             </a:fld>
             <a:endParaRPr lang="en-US"/>
           </a:p>
@@ -8199,7 +8199,7 @@
             <a:pPr algn="ctr"/>
             <a:r>
               <a:rPr lang="en-US" sz="1100" b="1" dirty="0"/>
-              <a:t>*.0.0 Publication!</a:t>
+              <a:t>8.0.0 Publication!</a:t>
             </a:r>
           </a:p>
         </p:txBody>
@@ -8876,18 +8876,18 @@
 </file>
 
 <file path=customXml/item1.xml><?xml version="1.0" encoding="utf-8"?>
+<p:properties xmlns:p="http://schemas.microsoft.com/office/2006/metadata/properties" xmlns:xsi="http://www.w3.org/2001/XMLSchema-instance" xmlns:pc="http://schemas.microsoft.com/office/infopath/2007/PartnerControls">
+  <documentManagement/>
+</p:properties>
+</file>
+
+<file path=customXml/item2.xml><?xml version="1.0" encoding="utf-8"?>
 <?mso-contentType ?>
 <FormTemplates xmlns="http://schemas.microsoft.com/sharepoint/v3/contenttype/forms">
   <Display>DocumentLibraryForm</Display>
   <Edit>DocumentLibraryForm</Edit>
   <New>DocumentLibraryForm</New>
 </FormTemplates>
-</file>
-
-<file path=customXml/item2.xml><?xml version="1.0" encoding="utf-8"?>
-<p:properties xmlns:p="http://schemas.microsoft.com/office/2006/metadata/properties" xmlns:xsi="http://www.w3.org/2001/XMLSchema-instance" xmlns:pc="http://schemas.microsoft.com/office/infopath/2007/PartnerControls">
-  <documentManagement/>
-</p:properties>
 </file>
 
 <file path=customXml/item3.xml><?xml version="1.0" encoding="utf-8"?>
@@ -9114,18 +9114,18 @@
 </file>
 
 <file path=customXml/itemProps1.xml><?xml version="1.0" encoding="utf-8"?>
-<ds:datastoreItem xmlns:ds="http://schemas.openxmlformats.org/officeDocument/2006/customXml" ds:itemID="{58661D4B-8AE6-4905-8B93-C5D7EACB29CC}">
+<ds:datastoreItem xmlns:ds="http://schemas.openxmlformats.org/officeDocument/2006/customXml" ds:itemID="{BB818741-D1A3-4EC7-8034-D073A29248B8}">
   <ds:schemaRefs>
-    <ds:schemaRef ds:uri="http://schemas.microsoft.com/sharepoint/v3/contenttype/forms"/>
+    <ds:schemaRef ds:uri="http://schemas.microsoft.com/office/2006/metadata/properties"/>
+    <ds:schemaRef ds:uri="http://schemas.microsoft.com/office/infopath/2007/PartnerControls"/>
   </ds:schemaRefs>
 </ds:datastoreItem>
 </file>
 
 <file path=customXml/itemProps2.xml><?xml version="1.0" encoding="utf-8"?>
-<ds:datastoreItem xmlns:ds="http://schemas.openxmlformats.org/officeDocument/2006/customXml" ds:itemID="{BB818741-D1A3-4EC7-8034-D073A29248B8}">
+<ds:datastoreItem xmlns:ds="http://schemas.openxmlformats.org/officeDocument/2006/customXml" ds:itemID="{58661D4B-8AE6-4905-8B93-C5D7EACB29CC}">
   <ds:schemaRefs>
-    <ds:schemaRef ds:uri="http://schemas.microsoft.com/office/2006/metadata/properties"/>
-    <ds:schemaRef ds:uri="http://schemas.microsoft.com/office/infopath/2007/PartnerControls"/>
+    <ds:schemaRef ds:uri="http://schemas.microsoft.com/sharepoint/v3/contenttype/forms"/>
   </ds:schemaRefs>
 </ds:datastoreItem>
 </file>

--- a/input/images-source/US_Core_Roadmap_CGP.pptx
+++ b/input/images-source/US_Core_Roadmap_CGP.pptx
@@ -5,12 +5,13 @@
     <p:sldMasterId id="2147483648" r:id="rId4"/>
   </p:sldMasterIdLst>
   <p:notesMasterIdLst>
-    <p:notesMasterId r:id="rId8"/>
+    <p:notesMasterId r:id="rId9"/>
   </p:notesMasterIdLst>
   <p:sldIdLst>
     <p:sldId id="263" r:id="rId5"/>
     <p:sldId id="264" r:id="rId6"/>
     <p:sldId id="265" r:id="rId7"/>
+    <p:sldId id="266" r:id="rId8"/>
   </p:sldIdLst>
   <p:sldSz cx="12192000" cy="6858000"/>
   <p:notesSz cx="6858000" cy="9144000"/>
@@ -199,7 +200,7 @@
           <a:p>
             <a:fld id="{150C2F9B-58DB-4008-85B5-323C17D852A2}" type="datetimeFigureOut">
               <a:rPr lang="en-US" smtClean="0"/>
-              <a:t>4/30/25</a:t>
+              <a:t>5/15/2025</a:t>
             </a:fld>
             <a:endParaRPr lang="en-US"/>
           </a:p>
@@ -751,6 +752,125 @@
 </p:notes>
 </file>
 
+<file path=ppt/notesSlides/notesSlide4.xml><?xml version="1.0" encoding="utf-8"?>
+<p:notes xmlns:a="http://schemas.openxmlformats.org/drawingml/2006/main" xmlns:r="http://schemas.openxmlformats.org/officeDocument/2006/relationships" xmlns:p="http://schemas.openxmlformats.org/presentationml/2006/main">
+  <p:cSld>
+    <p:spTree>
+      <p:nvGrpSpPr>
+        <p:cNvPr id="1" name="">
+          <a:extLst>
+            <a:ext uri="{FF2B5EF4-FFF2-40B4-BE49-F238E27FC236}">
+              <a16:creationId xmlns:a16="http://schemas.microsoft.com/office/drawing/2014/main" id="{52C653AA-5ABD-4D1A-8A53-36D0EE1DBD07}"/>
+            </a:ext>
+          </a:extLst>
+        </p:cNvPr>
+        <p:cNvGrpSpPr/>
+        <p:nvPr/>
+      </p:nvGrpSpPr>
+      <p:grpSpPr>
+        <a:xfrm>
+          <a:off x="0" y="0"/>
+          <a:ext cx="0" cy="0"/>
+          <a:chOff x="0" y="0"/>
+          <a:chExt cx="0" cy="0"/>
+        </a:xfrm>
+      </p:grpSpPr>
+      <p:sp>
+        <p:nvSpPr>
+          <p:cNvPr id="2" name="Slide Image Placeholder 1">
+            <a:extLst>
+              <a:ext uri="{FF2B5EF4-FFF2-40B4-BE49-F238E27FC236}">
+                <a16:creationId xmlns:a16="http://schemas.microsoft.com/office/drawing/2014/main" id="{0EA69529-F11D-D34D-770C-D7BD6D3252AB}"/>
+              </a:ext>
+            </a:extLst>
+          </p:cNvPr>
+          <p:cNvSpPr>
+            <a:spLocks noGrp="1" noRot="1" noChangeAspect="1"/>
+          </p:cNvSpPr>
+          <p:nvPr>
+            <p:ph type="sldImg"/>
+          </p:nvPr>
+        </p:nvSpPr>
+        <p:spPr/>
+      </p:sp>
+      <p:sp>
+        <p:nvSpPr>
+          <p:cNvPr id="3" name="Notes Placeholder 2">
+            <a:extLst>
+              <a:ext uri="{FF2B5EF4-FFF2-40B4-BE49-F238E27FC236}">
+                <a16:creationId xmlns:a16="http://schemas.microsoft.com/office/drawing/2014/main" id="{13B911CA-5F86-043E-F72B-1BA181696846}"/>
+              </a:ext>
+            </a:extLst>
+          </p:cNvPr>
+          <p:cNvSpPr>
+            <a:spLocks noGrp="1"/>
+          </p:cNvSpPr>
+          <p:nvPr>
+            <p:ph type="body" idx="1"/>
+          </p:nvPr>
+        </p:nvSpPr>
+        <p:spPr/>
+        <p:txBody>
+          <a:bodyPr/>
+          <a:lstStyle/>
+          <a:p>
+            <a:pPr marL="171450" indent="-171450">
+              <a:buFont typeface="Arial" panose="020B0604020202020204" pitchFamily="34" charset="0"/>
+              <a:buChar char="•"/>
+            </a:pPr>
+            <a:endParaRPr lang="en-US" dirty="0"/>
+          </a:p>
+          <a:p>
+            <a:pPr marL="0" indent="0">
+              <a:buFont typeface="Arial" panose="020B0604020202020204" pitchFamily="34" charset="0"/>
+              <a:buNone/>
+            </a:pPr>
+            <a:endParaRPr lang="en-US" dirty="0"/>
+          </a:p>
+        </p:txBody>
+      </p:sp>
+      <p:sp>
+        <p:nvSpPr>
+          <p:cNvPr id="4" name="Slide Number Placeholder 3">
+            <a:extLst>
+              <a:ext uri="{FF2B5EF4-FFF2-40B4-BE49-F238E27FC236}">
+                <a16:creationId xmlns:a16="http://schemas.microsoft.com/office/drawing/2014/main" id="{6005D119-5A35-F038-E00C-A41A894F7606}"/>
+              </a:ext>
+            </a:extLst>
+          </p:cNvPr>
+          <p:cNvSpPr>
+            <a:spLocks noGrp="1"/>
+          </p:cNvSpPr>
+          <p:nvPr>
+            <p:ph type="sldNum" sz="quarter" idx="5"/>
+          </p:nvPr>
+        </p:nvSpPr>
+        <p:spPr/>
+        <p:txBody>
+          <a:bodyPr/>
+          <a:lstStyle/>
+          <a:p>
+            <a:fld id="{C4C4510A-93AA-4DA2-98C8-C509E3B437F6}" type="slidenum">
+              <a:rPr lang="en-US" smtClean="0"/>
+              <a:t>4</a:t>
+            </a:fld>
+            <a:endParaRPr lang="en-US"/>
+          </a:p>
+        </p:txBody>
+      </p:sp>
+    </p:spTree>
+    <p:extLst>
+      <p:ext uri="{BB962C8B-B14F-4D97-AF65-F5344CB8AC3E}">
+        <p14:creationId xmlns:p14="http://schemas.microsoft.com/office/powerpoint/2010/main" val="2167872940"/>
+      </p:ext>
+    </p:extLst>
+  </p:cSld>
+  <p:clrMapOvr>
+    <a:masterClrMapping/>
+  </p:clrMapOvr>
+</p:notes>
+</file>
+
 <file path=ppt/slideLayouts/slideLayout1.xml><?xml version="1.0" encoding="utf-8"?>
 <p:sldLayout xmlns:a="http://schemas.openxmlformats.org/drawingml/2006/main" xmlns:r="http://schemas.openxmlformats.org/officeDocument/2006/relationships" xmlns:p="http://schemas.openxmlformats.org/presentationml/2006/main" type="title" preserve="1">
   <p:cSld name="Title Slide">
@@ -880,7 +1000,7 @@
           <a:p>
             <a:fld id="{F30F38B3-7E84-4D0A-A97F-23FF013A5996}" type="datetimeFigureOut">
               <a:rPr lang="en-US" smtClean="0"/>
-              <a:t>4/30/25</a:t>
+              <a:t>5/15/2025</a:t>
             </a:fld>
             <a:endParaRPr lang="en-US"/>
           </a:p>
@@ -1048,7 +1168,7 @@
           <a:p>
             <a:fld id="{F30F38B3-7E84-4D0A-A97F-23FF013A5996}" type="datetimeFigureOut">
               <a:rPr lang="en-US" smtClean="0"/>
-              <a:t>4/30/25</a:t>
+              <a:t>5/15/2025</a:t>
             </a:fld>
             <a:endParaRPr lang="en-US"/>
           </a:p>
@@ -1226,7 +1346,7 @@
           <a:p>
             <a:fld id="{F30F38B3-7E84-4D0A-A97F-23FF013A5996}" type="datetimeFigureOut">
               <a:rPr lang="en-US" smtClean="0"/>
-              <a:t>4/30/25</a:t>
+              <a:t>5/15/2025</a:t>
             </a:fld>
             <a:endParaRPr lang="en-US"/>
           </a:p>
@@ -1394,7 +1514,7 @@
           <a:p>
             <a:fld id="{F30F38B3-7E84-4D0A-A97F-23FF013A5996}" type="datetimeFigureOut">
               <a:rPr lang="en-US" smtClean="0"/>
-              <a:t>4/30/25</a:t>
+              <a:t>5/15/2025</a:t>
             </a:fld>
             <a:endParaRPr lang="en-US"/>
           </a:p>
@@ -1639,7 +1759,7 @@
           <a:p>
             <a:fld id="{F30F38B3-7E84-4D0A-A97F-23FF013A5996}" type="datetimeFigureOut">
               <a:rPr lang="en-US" smtClean="0"/>
-              <a:t>4/30/25</a:t>
+              <a:t>5/15/2025</a:t>
             </a:fld>
             <a:endParaRPr lang="en-US"/>
           </a:p>
@@ -1868,7 +1988,7 @@
           <a:p>
             <a:fld id="{F30F38B3-7E84-4D0A-A97F-23FF013A5996}" type="datetimeFigureOut">
               <a:rPr lang="en-US" smtClean="0"/>
-              <a:t>4/30/25</a:t>
+              <a:t>5/15/2025</a:t>
             </a:fld>
             <a:endParaRPr lang="en-US"/>
           </a:p>
@@ -2232,7 +2352,7 @@
           <a:p>
             <a:fld id="{F30F38B3-7E84-4D0A-A97F-23FF013A5996}" type="datetimeFigureOut">
               <a:rPr lang="en-US" smtClean="0"/>
-              <a:t>4/30/25</a:t>
+              <a:t>5/15/2025</a:t>
             </a:fld>
             <a:endParaRPr lang="en-US"/>
           </a:p>
@@ -2349,7 +2469,7 @@
           <a:p>
             <a:fld id="{F30F38B3-7E84-4D0A-A97F-23FF013A5996}" type="datetimeFigureOut">
               <a:rPr lang="en-US" smtClean="0"/>
-              <a:t>4/30/25</a:t>
+              <a:t>5/15/2025</a:t>
             </a:fld>
             <a:endParaRPr lang="en-US"/>
           </a:p>
@@ -2444,7 +2564,7 @@
           <a:p>
             <a:fld id="{F30F38B3-7E84-4D0A-A97F-23FF013A5996}" type="datetimeFigureOut">
               <a:rPr lang="en-US" smtClean="0"/>
-              <a:t>4/30/25</a:t>
+              <a:t>5/15/2025</a:t>
             </a:fld>
             <a:endParaRPr lang="en-US"/>
           </a:p>
@@ -2719,7 +2839,7 @@
           <a:p>
             <a:fld id="{F30F38B3-7E84-4D0A-A97F-23FF013A5996}" type="datetimeFigureOut">
               <a:rPr lang="en-US" smtClean="0"/>
-              <a:t>4/30/25</a:t>
+              <a:t>5/15/2025</a:t>
             </a:fld>
             <a:endParaRPr lang="en-US"/>
           </a:p>
@@ -2971,7 +3091,7 @@
           <a:p>
             <a:fld id="{F30F38B3-7E84-4D0A-A97F-23FF013A5996}" type="datetimeFigureOut">
               <a:rPr lang="en-US" smtClean="0"/>
-              <a:t>4/30/25</a:t>
+              <a:t>5/15/2025</a:t>
             </a:fld>
             <a:endParaRPr lang="en-US"/>
           </a:p>
@@ -3182,7 +3302,7 @@
           <a:p>
             <a:fld id="{F30F38B3-7E84-4D0A-A97F-23FF013A5996}" type="datetimeFigureOut">
               <a:rPr lang="en-US" smtClean="0"/>
-              <a:t>4/30/25</a:t>
+              <a:t>5/15/2025</a:t>
             </a:fld>
             <a:endParaRPr lang="en-US"/>
           </a:p>
@@ -8310,6 +8430,1637 @@
     <p:extLst>
       <p:ext uri="{BB962C8B-B14F-4D97-AF65-F5344CB8AC3E}">
         <p14:creationId xmlns:p14="http://schemas.microsoft.com/office/powerpoint/2010/main" val="2179824824"/>
+      </p:ext>
+    </p:extLst>
+  </p:cSld>
+  <p:clrMapOvr>
+    <a:masterClrMapping/>
+  </p:clrMapOvr>
+</p:sld>
+</file>
+
+<file path=ppt/slides/slide4.xml><?xml version="1.0" encoding="utf-8"?>
+<p:sld xmlns:a="http://schemas.openxmlformats.org/drawingml/2006/main" xmlns:r="http://schemas.openxmlformats.org/officeDocument/2006/relationships" xmlns:p="http://schemas.openxmlformats.org/presentationml/2006/main">
+  <p:cSld>
+    <p:spTree>
+      <p:nvGrpSpPr>
+        <p:cNvPr id="1" name="">
+          <a:extLst>
+            <a:ext uri="{FF2B5EF4-FFF2-40B4-BE49-F238E27FC236}">
+              <a16:creationId xmlns:a16="http://schemas.microsoft.com/office/drawing/2014/main" id="{F410140A-AD08-E301-A0AC-7D28C2855202}"/>
+            </a:ext>
+          </a:extLst>
+        </p:cNvPr>
+        <p:cNvGrpSpPr/>
+        <p:nvPr/>
+      </p:nvGrpSpPr>
+      <p:grpSpPr>
+        <a:xfrm>
+          <a:off x="0" y="0"/>
+          <a:ext cx="0" cy="0"/>
+          <a:chOff x="0" y="0"/>
+          <a:chExt cx="0" cy="0"/>
+        </a:xfrm>
+      </p:grpSpPr>
+      <p:sp>
+        <p:nvSpPr>
+          <p:cNvPr id="6" name="TextBox 5">
+            <a:extLst>
+              <a:ext uri="{FF2B5EF4-FFF2-40B4-BE49-F238E27FC236}">
+                <a16:creationId xmlns:a16="http://schemas.microsoft.com/office/drawing/2014/main" id="{10E80EAF-4C7E-4E2B-9F89-4524624A47F0}"/>
+              </a:ext>
+            </a:extLst>
+          </p:cNvPr>
+          <p:cNvSpPr txBox="1"/>
+          <p:nvPr/>
+        </p:nvSpPr>
+        <p:spPr>
+          <a:xfrm>
+            <a:off x="656949" y="1532894"/>
+            <a:ext cx="652743" cy="369332"/>
+          </a:xfrm>
+          <a:prstGeom prst="rect">
+            <a:avLst/>
+          </a:prstGeom>
+          <a:noFill/>
+        </p:spPr>
+        <p:txBody>
+          <a:bodyPr wrap="none" rtlCol="0">
+            <a:spAutoFit/>
+          </a:bodyPr>
+          <a:lstStyle/>
+          <a:p>
+            <a:r>
+              <a:rPr lang="en-US" dirty="0"/>
+              <a:t>2025</a:t>
+            </a:r>
+          </a:p>
+        </p:txBody>
+      </p:sp>
+      <p:sp>
+        <p:nvSpPr>
+          <p:cNvPr id="14" name="Rectangle 13">
+            <a:extLst>
+              <a:ext uri="{FF2B5EF4-FFF2-40B4-BE49-F238E27FC236}">
+                <a16:creationId xmlns:a16="http://schemas.microsoft.com/office/drawing/2014/main" id="{9CF6F6A7-47E5-97AC-17BE-CAC324B72549}"/>
+              </a:ext>
+            </a:extLst>
+          </p:cNvPr>
+          <p:cNvSpPr/>
+          <p:nvPr/>
+        </p:nvSpPr>
+        <p:spPr>
+          <a:xfrm>
+            <a:off x="4998570" y="2206369"/>
+            <a:ext cx="1500063" cy="427893"/>
+          </a:xfrm>
+          <a:prstGeom prst="rect">
+            <a:avLst/>
+          </a:prstGeom>
+        </p:spPr>
+        <p:style>
+          <a:lnRef idx="2">
+            <a:schemeClr val="accent1">
+              <a:shade val="50000"/>
+            </a:schemeClr>
+          </a:lnRef>
+          <a:fillRef idx="1">
+            <a:schemeClr val="accent1"/>
+          </a:fillRef>
+          <a:effectRef idx="0">
+            <a:schemeClr val="accent1"/>
+          </a:effectRef>
+          <a:fontRef idx="minor">
+            <a:schemeClr val="lt1"/>
+          </a:fontRef>
+        </p:style>
+        <p:txBody>
+          <a:bodyPr rtlCol="0" anchor="ctr"/>
+          <a:lstStyle/>
+          <a:p>
+            <a:pPr algn="ctr"/>
+            <a:r>
+              <a:rPr lang="en-US" sz="1400" dirty="0"/>
+              <a:t>ONC SVAP 2025</a:t>
+            </a:r>
+          </a:p>
+        </p:txBody>
+      </p:sp>
+      <p:sp>
+        <p:nvSpPr>
+          <p:cNvPr id="2" name="TextBox 1">
+            <a:extLst>
+              <a:ext uri="{FF2B5EF4-FFF2-40B4-BE49-F238E27FC236}">
+                <a16:creationId xmlns:a16="http://schemas.microsoft.com/office/drawing/2014/main" id="{2D85F526-FDAF-3281-FAB4-87F99A95E249}"/>
+              </a:ext>
+            </a:extLst>
+          </p:cNvPr>
+          <p:cNvSpPr txBox="1"/>
+          <p:nvPr/>
+        </p:nvSpPr>
+        <p:spPr>
+          <a:xfrm>
+            <a:off x="415327" y="73940"/>
+            <a:ext cx="11354539" cy="1200329"/>
+          </a:xfrm>
+          <a:prstGeom prst="rect">
+            <a:avLst/>
+          </a:prstGeom>
+          <a:noFill/>
+        </p:spPr>
+        <p:txBody>
+          <a:bodyPr wrap="square" rtlCol="0">
+            <a:spAutoFit/>
+          </a:bodyPr>
+          <a:lstStyle/>
+          <a:p>
+            <a:pPr marL="285750" indent="-285750">
+              <a:buFont typeface="Arial" panose="020B0604020202020204" pitchFamily="34" charset="0"/>
+              <a:buChar char="•"/>
+            </a:pPr>
+            <a:r>
+              <a:rPr lang="en-US" sz="2400" dirty="0"/>
+              <a:t>US FHIR Core will ballot every January.</a:t>
+            </a:r>
+          </a:p>
+          <a:p>
+            <a:pPr marL="285750" indent="-285750">
+              <a:buFont typeface="Arial" panose="020B0604020202020204" pitchFamily="34" charset="0"/>
+              <a:buChar char="•"/>
+            </a:pPr>
+            <a:r>
+              <a:rPr lang="en-US" sz="2400" dirty="0"/>
+              <a:t>The ballot will reflect HL7 update requests (JIRA) and response to USCDI v+1.</a:t>
+            </a:r>
+          </a:p>
+          <a:p>
+            <a:pPr marL="285750" indent="-285750">
+              <a:buFont typeface="Arial" panose="020B0604020202020204" pitchFamily="34" charset="0"/>
+              <a:buChar char="•"/>
+            </a:pPr>
+            <a:r>
+              <a:rPr lang="en-US" sz="2400" dirty="0"/>
+              <a:t>Connect-a-thons/pilot testing precede US FHIR Core Update Ballot.</a:t>
+            </a:r>
+          </a:p>
+        </p:txBody>
+      </p:sp>
+      <p:sp>
+        <p:nvSpPr>
+          <p:cNvPr id="47" name="Rectangle 46">
+            <a:extLst>
+              <a:ext uri="{FF2B5EF4-FFF2-40B4-BE49-F238E27FC236}">
+                <a16:creationId xmlns:a16="http://schemas.microsoft.com/office/drawing/2014/main" id="{D7ED5CFB-1627-1F30-165D-494C3D76A9FF}"/>
+              </a:ext>
+            </a:extLst>
+          </p:cNvPr>
+          <p:cNvSpPr/>
+          <p:nvPr/>
+        </p:nvSpPr>
+        <p:spPr>
+          <a:xfrm>
+            <a:off x="1500329" y="1599264"/>
+            <a:ext cx="1145220" cy="408373"/>
+          </a:xfrm>
+          <a:prstGeom prst="rect">
+            <a:avLst/>
+          </a:prstGeom>
+        </p:spPr>
+        <p:style>
+          <a:lnRef idx="2">
+            <a:schemeClr val="accent1">
+              <a:shade val="50000"/>
+            </a:schemeClr>
+          </a:lnRef>
+          <a:fillRef idx="1">
+            <a:schemeClr val="accent1"/>
+          </a:fillRef>
+          <a:effectRef idx="0">
+            <a:schemeClr val="accent1"/>
+          </a:effectRef>
+          <a:fontRef idx="minor">
+            <a:schemeClr val="lt1"/>
+          </a:fontRef>
+        </p:style>
+        <p:txBody>
+          <a:bodyPr rtlCol="0" anchor="ctr"/>
+          <a:lstStyle/>
+          <a:p>
+            <a:pPr algn="ctr"/>
+            <a:r>
+              <a:rPr lang="en-US" sz="1400" dirty="0"/>
+              <a:t>USCDI </a:t>
+            </a:r>
+          </a:p>
+          <a:p>
+            <a:pPr algn="ctr"/>
+            <a:r>
+              <a:rPr lang="en-US" sz="1400" dirty="0"/>
+              <a:t>Draft v6</a:t>
+            </a:r>
+          </a:p>
+        </p:txBody>
+      </p:sp>
+      <p:sp>
+        <p:nvSpPr>
+          <p:cNvPr id="48" name="Rectangle 47">
+            <a:extLst>
+              <a:ext uri="{FF2B5EF4-FFF2-40B4-BE49-F238E27FC236}">
+                <a16:creationId xmlns:a16="http://schemas.microsoft.com/office/drawing/2014/main" id="{4C59AB9E-9473-E5CB-CB63-FC86A32D2735}"/>
+              </a:ext>
+            </a:extLst>
+          </p:cNvPr>
+          <p:cNvSpPr/>
+          <p:nvPr/>
+        </p:nvSpPr>
+        <p:spPr>
+          <a:xfrm>
+            <a:off x="6221767" y="1599263"/>
+            <a:ext cx="1145220" cy="408373"/>
+          </a:xfrm>
+          <a:prstGeom prst="rect">
+            <a:avLst/>
+          </a:prstGeom>
+        </p:spPr>
+        <p:style>
+          <a:lnRef idx="2">
+            <a:schemeClr val="accent1">
+              <a:shade val="50000"/>
+            </a:schemeClr>
+          </a:lnRef>
+          <a:fillRef idx="1">
+            <a:schemeClr val="accent1"/>
+          </a:fillRef>
+          <a:effectRef idx="0">
+            <a:schemeClr val="accent1"/>
+          </a:effectRef>
+          <a:fontRef idx="minor">
+            <a:schemeClr val="lt1"/>
+          </a:fontRef>
+        </p:style>
+        <p:txBody>
+          <a:bodyPr rtlCol="0" anchor="ctr"/>
+          <a:lstStyle/>
+          <a:p>
+            <a:pPr algn="ctr"/>
+            <a:r>
+              <a:rPr lang="en-US" sz="1400" dirty="0"/>
+              <a:t>USCDI </a:t>
+            </a:r>
+          </a:p>
+          <a:p>
+            <a:pPr algn="ctr"/>
+            <a:r>
+              <a:rPr lang="en-US" sz="1400" dirty="0"/>
+              <a:t>Final v6</a:t>
+            </a:r>
+          </a:p>
+        </p:txBody>
+      </p:sp>
+      <p:cxnSp>
+        <p:nvCxnSpPr>
+          <p:cNvPr id="26" name="Straight Connector 25">
+            <a:extLst>
+              <a:ext uri="{FF2B5EF4-FFF2-40B4-BE49-F238E27FC236}">
+                <a16:creationId xmlns:a16="http://schemas.microsoft.com/office/drawing/2014/main" id="{94F81F25-5615-F4A0-3E13-027605BEA51F}"/>
+              </a:ext>
+            </a:extLst>
+          </p:cNvPr>
+          <p:cNvCxnSpPr/>
+          <p:nvPr/>
+        </p:nvCxnSpPr>
+        <p:spPr>
+          <a:xfrm>
+            <a:off x="349870" y="4213177"/>
+            <a:ext cx="11612880" cy="0"/>
+          </a:xfrm>
+          <a:prstGeom prst="line">
+            <a:avLst/>
+          </a:prstGeom>
+          <a:ln w="28575">
+            <a:prstDash val="dash"/>
+          </a:ln>
+        </p:spPr>
+        <p:style>
+          <a:lnRef idx="1">
+            <a:schemeClr val="dk1"/>
+          </a:lnRef>
+          <a:fillRef idx="0">
+            <a:schemeClr val="dk1"/>
+          </a:fillRef>
+          <a:effectRef idx="0">
+            <a:schemeClr val="dk1"/>
+          </a:effectRef>
+          <a:fontRef idx="minor">
+            <a:schemeClr val="tx1"/>
+          </a:fontRef>
+        </p:style>
+      </p:cxnSp>
+      <p:sp>
+        <p:nvSpPr>
+          <p:cNvPr id="52" name="Left-Right Arrow 51">
+            <a:extLst>
+              <a:ext uri="{FF2B5EF4-FFF2-40B4-BE49-F238E27FC236}">
+                <a16:creationId xmlns:a16="http://schemas.microsoft.com/office/drawing/2014/main" id="{8A976AF7-1032-909A-4DFB-EF036BCBD398}"/>
+              </a:ext>
+            </a:extLst>
+          </p:cNvPr>
+          <p:cNvSpPr/>
+          <p:nvPr/>
+        </p:nvSpPr>
+        <p:spPr>
+          <a:xfrm>
+            <a:off x="2754553" y="1649560"/>
+            <a:ext cx="1194278" cy="254767"/>
+          </a:xfrm>
+          <a:prstGeom prst="leftRightArrow">
+            <a:avLst/>
+          </a:prstGeom>
+        </p:spPr>
+        <p:style>
+          <a:lnRef idx="2">
+            <a:schemeClr val="accent1">
+              <a:shade val="50000"/>
+            </a:schemeClr>
+          </a:lnRef>
+          <a:fillRef idx="1">
+            <a:schemeClr val="accent1"/>
+          </a:fillRef>
+          <a:effectRef idx="0">
+            <a:schemeClr val="accent1"/>
+          </a:effectRef>
+          <a:fontRef idx="minor">
+            <a:schemeClr val="lt1"/>
+          </a:fontRef>
+        </p:style>
+        <p:txBody>
+          <a:bodyPr rtlCol="0" anchor="ctr"/>
+          <a:lstStyle/>
+          <a:p>
+            <a:pPr algn="ctr"/>
+            <a:r>
+              <a:rPr lang="en-US" sz="1000" dirty="0"/>
+              <a:t>Comment Period</a:t>
+            </a:r>
+          </a:p>
+        </p:txBody>
+      </p:sp>
+      <p:sp>
+        <p:nvSpPr>
+          <p:cNvPr id="15" name="TextBox 14">
+            <a:extLst>
+              <a:ext uri="{FF2B5EF4-FFF2-40B4-BE49-F238E27FC236}">
+                <a16:creationId xmlns:a16="http://schemas.microsoft.com/office/drawing/2014/main" id="{71D6B252-66F0-E4BA-E697-F10B2BFB4408}"/>
+              </a:ext>
+            </a:extLst>
+          </p:cNvPr>
+          <p:cNvSpPr txBox="1"/>
+          <p:nvPr/>
+        </p:nvSpPr>
+        <p:spPr>
+          <a:xfrm>
+            <a:off x="1719486" y="1222860"/>
+            <a:ext cx="490840" cy="369332"/>
+          </a:xfrm>
+          <a:prstGeom prst="rect">
+            <a:avLst/>
+          </a:prstGeom>
+          <a:noFill/>
+        </p:spPr>
+        <p:txBody>
+          <a:bodyPr wrap="none" rtlCol="0">
+            <a:spAutoFit/>
+          </a:bodyPr>
+          <a:lstStyle/>
+          <a:p>
+            <a:r>
+              <a:rPr lang="en-US" dirty="0"/>
+              <a:t>Jan</a:t>
+            </a:r>
+          </a:p>
+        </p:txBody>
+      </p:sp>
+      <p:sp>
+        <p:nvSpPr>
+          <p:cNvPr id="16" name="TextBox 15">
+            <a:extLst>
+              <a:ext uri="{FF2B5EF4-FFF2-40B4-BE49-F238E27FC236}">
+                <a16:creationId xmlns:a16="http://schemas.microsoft.com/office/drawing/2014/main" id="{E33D8A7B-7BE2-C610-9336-7721AA045812}"/>
+              </a:ext>
+            </a:extLst>
+          </p:cNvPr>
+          <p:cNvSpPr txBox="1"/>
+          <p:nvPr/>
+        </p:nvSpPr>
+        <p:spPr>
+          <a:xfrm>
+            <a:off x="4668355" y="1222860"/>
+            <a:ext cx="592342" cy="369332"/>
+          </a:xfrm>
+          <a:prstGeom prst="rect">
+            <a:avLst/>
+          </a:prstGeom>
+          <a:noFill/>
+        </p:spPr>
+        <p:txBody>
+          <a:bodyPr wrap="none" rtlCol="0">
+            <a:spAutoFit/>
+          </a:bodyPr>
+          <a:lstStyle/>
+          <a:p>
+            <a:r>
+              <a:rPr lang="en-US" dirty="0"/>
+              <a:t>May</a:t>
+            </a:r>
+          </a:p>
+        </p:txBody>
+      </p:sp>
+      <p:sp>
+        <p:nvSpPr>
+          <p:cNvPr id="17" name="TextBox 16">
+            <a:extLst>
+              <a:ext uri="{FF2B5EF4-FFF2-40B4-BE49-F238E27FC236}">
+                <a16:creationId xmlns:a16="http://schemas.microsoft.com/office/drawing/2014/main" id="{ED678323-9BFA-B826-FEEB-9C36D79960DE}"/>
+              </a:ext>
+            </a:extLst>
+          </p:cNvPr>
+          <p:cNvSpPr txBox="1"/>
+          <p:nvPr/>
+        </p:nvSpPr>
+        <p:spPr>
+          <a:xfrm>
+            <a:off x="6498633" y="1222860"/>
+            <a:ext cx="537327" cy="369332"/>
+          </a:xfrm>
+          <a:prstGeom prst="rect">
+            <a:avLst/>
+          </a:prstGeom>
+          <a:noFill/>
+        </p:spPr>
+        <p:txBody>
+          <a:bodyPr wrap="none" rtlCol="0">
+            <a:spAutoFit/>
+          </a:bodyPr>
+          <a:lstStyle/>
+          <a:p>
+            <a:r>
+              <a:rPr lang="en-US" dirty="0"/>
+              <a:t>July</a:t>
+            </a:r>
+          </a:p>
+        </p:txBody>
+      </p:sp>
+      <p:sp>
+        <p:nvSpPr>
+          <p:cNvPr id="18" name="TextBox 17">
+            <a:extLst>
+              <a:ext uri="{FF2B5EF4-FFF2-40B4-BE49-F238E27FC236}">
+                <a16:creationId xmlns:a16="http://schemas.microsoft.com/office/drawing/2014/main" id="{CC8300A0-257E-7CBD-396D-7A5EB28FD632}"/>
+              </a:ext>
+            </a:extLst>
+          </p:cNvPr>
+          <p:cNvSpPr txBox="1"/>
+          <p:nvPr/>
+        </p:nvSpPr>
+        <p:spPr>
+          <a:xfrm>
+            <a:off x="8850944" y="1222860"/>
+            <a:ext cx="603627" cy="369332"/>
+          </a:xfrm>
+          <a:prstGeom prst="rect">
+            <a:avLst/>
+          </a:prstGeom>
+          <a:noFill/>
+        </p:spPr>
+        <p:txBody>
+          <a:bodyPr wrap="none" rtlCol="0">
+            <a:spAutoFit/>
+          </a:bodyPr>
+          <a:lstStyle/>
+          <a:p>
+            <a:r>
+              <a:rPr lang="en-US" dirty="0"/>
+              <a:t>Sept</a:t>
+            </a:r>
+          </a:p>
+        </p:txBody>
+      </p:sp>
+      <p:sp>
+        <p:nvSpPr>
+          <p:cNvPr id="19" name="TextBox 18">
+            <a:extLst>
+              <a:ext uri="{FF2B5EF4-FFF2-40B4-BE49-F238E27FC236}">
+                <a16:creationId xmlns:a16="http://schemas.microsoft.com/office/drawing/2014/main" id="{DC6217FE-74F3-EF31-02CC-F41056FDD12E}"/>
+              </a:ext>
+            </a:extLst>
+          </p:cNvPr>
+          <p:cNvSpPr txBox="1"/>
+          <p:nvPr/>
+        </p:nvSpPr>
+        <p:spPr>
+          <a:xfrm>
+            <a:off x="11107354" y="1222860"/>
+            <a:ext cx="540533" cy="369332"/>
+          </a:xfrm>
+          <a:prstGeom prst="rect">
+            <a:avLst/>
+          </a:prstGeom>
+          <a:noFill/>
+        </p:spPr>
+        <p:txBody>
+          <a:bodyPr wrap="none" rtlCol="0">
+            <a:spAutoFit/>
+          </a:bodyPr>
+          <a:lstStyle/>
+          <a:p>
+            <a:r>
+              <a:rPr lang="en-US" dirty="0"/>
+              <a:t>Dec</a:t>
+            </a:r>
+          </a:p>
+        </p:txBody>
+      </p:sp>
+      <p:sp>
+        <p:nvSpPr>
+          <p:cNvPr id="21" name="Rectangle 20">
+            <a:extLst>
+              <a:ext uri="{FF2B5EF4-FFF2-40B4-BE49-F238E27FC236}">
+                <a16:creationId xmlns:a16="http://schemas.microsoft.com/office/drawing/2014/main" id="{1A013E7C-AA8B-984A-FF16-8980DA6DF8C6}"/>
+              </a:ext>
+            </a:extLst>
+          </p:cNvPr>
+          <p:cNvSpPr/>
+          <p:nvPr/>
+        </p:nvSpPr>
+        <p:spPr>
+          <a:xfrm>
+            <a:off x="1500329" y="3037756"/>
+            <a:ext cx="1145220" cy="408373"/>
+          </a:xfrm>
+          <a:prstGeom prst="rect">
+            <a:avLst/>
+          </a:prstGeom>
+          <a:solidFill>
+            <a:schemeClr val="accent2">
+              <a:lumMod val="20000"/>
+              <a:lumOff val="80000"/>
+            </a:schemeClr>
+          </a:solidFill>
+        </p:spPr>
+        <p:style>
+          <a:lnRef idx="1">
+            <a:schemeClr val="accent2"/>
+          </a:lnRef>
+          <a:fillRef idx="2">
+            <a:schemeClr val="accent2"/>
+          </a:fillRef>
+          <a:effectRef idx="1">
+            <a:schemeClr val="accent2"/>
+          </a:effectRef>
+          <a:fontRef idx="minor">
+            <a:schemeClr val="dk1"/>
+          </a:fontRef>
+        </p:style>
+        <p:txBody>
+          <a:bodyPr rtlCol="0" anchor="ctr"/>
+          <a:lstStyle/>
+          <a:p>
+            <a:pPr algn="ctr"/>
+            <a:r>
+              <a:rPr lang="en-US" sz="1300" dirty="0"/>
+              <a:t>US FHIR Core Ballot</a:t>
+            </a:r>
+          </a:p>
+        </p:txBody>
+      </p:sp>
+      <p:sp>
+        <p:nvSpPr>
+          <p:cNvPr id="40" name="Left-Right Arrow 26">
+            <a:extLst>
+              <a:ext uri="{FF2B5EF4-FFF2-40B4-BE49-F238E27FC236}">
+                <a16:creationId xmlns:a16="http://schemas.microsoft.com/office/drawing/2014/main" id="{91BFE891-23AC-2224-8129-E6A96DFDE517}"/>
+              </a:ext>
+            </a:extLst>
+          </p:cNvPr>
+          <p:cNvSpPr/>
+          <p:nvPr/>
+        </p:nvSpPr>
+        <p:spPr>
+          <a:xfrm>
+            <a:off x="4057835" y="1642640"/>
+            <a:ext cx="2052818" cy="254767"/>
+          </a:xfrm>
+          <a:prstGeom prst="leftRightArrow">
+            <a:avLst/>
+          </a:prstGeom>
+        </p:spPr>
+        <p:style>
+          <a:lnRef idx="2">
+            <a:schemeClr val="accent1">
+              <a:shade val="50000"/>
+            </a:schemeClr>
+          </a:lnRef>
+          <a:fillRef idx="1">
+            <a:schemeClr val="accent1"/>
+          </a:fillRef>
+          <a:effectRef idx="0">
+            <a:schemeClr val="accent1"/>
+          </a:effectRef>
+          <a:fontRef idx="minor">
+            <a:schemeClr val="lt1"/>
+          </a:fontRef>
+        </p:style>
+        <p:txBody>
+          <a:bodyPr rtlCol="0" anchor="ctr"/>
+          <a:lstStyle/>
+          <a:p>
+            <a:pPr algn="ctr"/>
+            <a:r>
+              <a:rPr lang="en-US" sz="1000" dirty="0"/>
+              <a:t>ONC Review</a:t>
+            </a:r>
+          </a:p>
+        </p:txBody>
+      </p:sp>
+      <p:sp>
+        <p:nvSpPr>
+          <p:cNvPr id="42" name="Rounded Rectangle 23">
+            <a:extLst>
+              <a:ext uri="{FF2B5EF4-FFF2-40B4-BE49-F238E27FC236}">
+                <a16:creationId xmlns:a16="http://schemas.microsoft.com/office/drawing/2014/main" id="{524D6623-477D-EC0A-0CA2-BD83EBBFE3BA}"/>
+              </a:ext>
+            </a:extLst>
+          </p:cNvPr>
+          <p:cNvSpPr/>
+          <p:nvPr/>
+        </p:nvSpPr>
+        <p:spPr>
+          <a:xfrm>
+            <a:off x="4397665" y="3479544"/>
+            <a:ext cx="7662763" cy="597452"/>
+          </a:xfrm>
+          <a:prstGeom prst="roundRect">
+            <a:avLst/>
+          </a:prstGeom>
+          <a:solidFill>
+            <a:schemeClr val="accent2">
+              <a:lumMod val="20000"/>
+              <a:lumOff val="80000"/>
+            </a:schemeClr>
+          </a:solidFill>
+        </p:spPr>
+        <p:style>
+          <a:lnRef idx="1">
+            <a:schemeClr val="accent2"/>
+          </a:lnRef>
+          <a:fillRef idx="2">
+            <a:schemeClr val="accent2"/>
+          </a:fillRef>
+          <a:effectRef idx="1">
+            <a:schemeClr val="accent2"/>
+          </a:effectRef>
+          <a:fontRef idx="minor">
+            <a:schemeClr val="dk1"/>
+          </a:fontRef>
+        </p:style>
+        <p:txBody>
+          <a:bodyPr rtlCol="0" anchor="ctr"/>
+          <a:lstStyle/>
+          <a:p>
+            <a:pPr algn="ctr"/>
+            <a:r>
+              <a:rPr lang="en-US" sz="1400" dirty="0">
+                <a:solidFill>
+                  <a:sysClr val="windowText" lastClr="000000"/>
+                </a:solidFill>
+              </a:rPr>
+              <a:t>Industry testing/piloting prior to and feeding into US FHIR Core Updates Ballot – </a:t>
+            </a:r>
+            <a:r>
+              <a:rPr lang="en-US" sz="1400" b="1" dirty="0">
+                <a:solidFill>
+                  <a:sysClr val="windowText" lastClr="000000"/>
+                </a:solidFill>
+              </a:rPr>
+              <a:t>Not Limited to USCDI</a:t>
+            </a:r>
+          </a:p>
+          <a:p>
+            <a:pPr algn="ctr"/>
+            <a:r>
+              <a:rPr lang="en-US" sz="1400" dirty="0">
+                <a:solidFill>
+                  <a:sysClr val="windowText" lastClr="000000"/>
+                </a:solidFill>
+              </a:rPr>
+              <a:t>(Continuous build updated)</a:t>
+            </a:r>
+          </a:p>
+        </p:txBody>
+      </p:sp>
+      <p:sp>
+        <p:nvSpPr>
+          <p:cNvPr id="43" name="Left-Right Arrow 26">
+            <a:extLst>
+              <a:ext uri="{FF2B5EF4-FFF2-40B4-BE49-F238E27FC236}">
+                <a16:creationId xmlns:a16="http://schemas.microsoft.com/office/drawing/2014/main" id="{5C11D1F3-DE75-9EC3-C8F9-DBB128FD4141}"/>
+              </a:ext>
+            </a:extLst>
+          </p:cNvPr>
+          <p:cNvSpPr/>
+          <p:nvPr/>
+        </p:nvSpPr>
+        <p:spPr>
+          <a:xfrm>
+            <a:off x="2754553" y="3096445"/>
+            <a:ext cx="2581069" cy="240846"/>
+          </a:xfrm>
+          <a:prstGeom prst="leftRightArrow">
+            <a:avLst/>
+          </a:prstGeom>
+          <a:solidFill>
+            <a:schemeClr val="accent2">
+              <a:lumMod val="75000"/>
+            </a:schemeClr>
+          </a:solidFill>
+        </p:spPr>
+        <p:style>
+          <a:lnRef idx="2">
+            <a:schemeClr val="accent1">
+              <a:shade val="50000"/>
+            </a:schemeClr>
+          </a:lnRef>
+          <a:fillRef idx="1">
+            <a:schemeClr val="accent1"/>
+          </a:fillRef>
+          <a:effectRef idx="0">
+            <a:schemeClr val="accent1"/>
+          </a:effectRef>
+          <a:fontRef idx="minor">
+            <a:schemeClr val="lt1"/>
+          </a:fontRef>
+        </p:style>
+        <p:txBody>
+          <a:bodyPr rtlCol="0" anchor="ctr"/>
+          <a:lstStyle/>
+          <a:p>
+            <a:pPr algn="ctr"/>
+            <a:r>
+              <a:rPr lang="en-US" sz="1000" dirty="0"/>
+              <a:t>Ballot Resolution</a:t>
+            </a:r>
+          </a:p>
+        </p:txBody>
+      </p:sp>
+      <p:sp>
+        <p:nvSpPr>
+          <p:cNvPr id="44" name="Star: 5 Points 43">
+            <a:extLst>
+              <a:ext uri="{FF2B5EF4-FFF2-40B4-BE49-F238E27FC236}">
+                <a16:creationId xmlns:a16="http://schemas.microsoft.com/office/drawing/2014/main" id="{F70660C1-BE97-9EE2-9177-156EE6746EF6}"/>
+              </a:ext>
+            </a:extLst>
+          </p:cNvPr>
+          <p:cNvSpPr/>
+          <p:nvPr/>
+        </p:nvSpPr>
+        <p:spPr>
+          <a:xfrm>
+            <a:off x="5386878" y="3084213"/>
+            <a:ext cx="245688" cy="241888"/>
+          </a:xfrm>
+          <a:prstGeom prst="star5">
+            <a:avLst/>
+          </a:prstGeom>
+        </p:spPr>
+        <p:style>
+          <a:lnRef idx="2">
+            <a:schemeClr val="accent1">
+              <a:shade val="50000"/>
+            </a:schemeClr>
+          </a:lnRef>
+          <a:fillRef idx="1">
+            <a:schemeClr val="accent1"/>
+          </a:fillRef>
+          <a:effectRef idx="0">
+            <a:schemeClr val="accent1"/>
+          </a:effectRef>
+          <a:fontRef idx="minor">
+            <a:schemeClr val="lt1"/>
+          </a:fontRef>
+        </p:style>
+        <p:txBody>
+          <a:bodyPr rtlCol="0" anchor="ctr"/>
+          <a:lstStyle/>
+          <a:p>
+            <a:pPr algn="ctr"/>
+            <a:endParaRPr lang="en-US"/>
+          </a:p>
+        </p:txBody>
+      </p:sp>
+      <p:sp>
+        <p:nvSpPr>
+          <p:cNvPr id="45" name="TextBox 44">
+            <a:extLst>
+              <a:ext uri="{FF2B5EF4-FFF2-40B4-BE49-F238E27FC236}">
+                <a16:creationId xmlns:a16="http://schemas.microsoft.com/office/drawing/2014/main" id="{3842DDD0-4F47-080C-828F-D6176394CA54}"/>
+              </a:ext>
+            </a:extLst>
+          </p:cNvPr>
+          <p:cNvSpPr txBox="1"/>
+          <p:nvPr/>
+        </p:nvSpPr>
+        <p:spPr>
+          <a:xfrm>
+            <a:off x="4884731" y="2869231"/>
+            <a:ext cx="1726064" cy="261610"/>
+          </a:xfrm>
+          <a:prstGeom prst="rect">
+            <a:avLst/>
+          </a:prstGeom>
+          <a:noFill/>
+        </p:spPr>
+        <p:txBody>
+          <a:bodyPr wrap="square">
+            <a:spAutoFit/>
+          </a:bodyPr>
+          <a:lstStyle/>
+          <a:p>
+            <a:pPr algn="ctr"/>
+            <a:r>
+              <a:rPr lang="en-US" sz="1100" b="1" dirty="0"/>
+              <a:t>8.0.0 Publication!</a:t>
+            </a:r>
+          </a:p>
+        </p:txBody>
+      </p:sp>
+      <p:sp>
+        <p:nvSpPr>
+          <p:cNvPr id="46" name="Rectangle 45">
+            <a:extLst>
+              <a:ext uri="{FF2B5EF4-FFF2-40B4-BE49-F238E27FC236}">
+                <a16:creationId xmlns:a16="http://schemas.microsoft.com/office/drawing/2014/main" id="{E15B739C-DCD0-2DD0-1609-71D0E75D3B4C}"/>
+              </a:ext>
+            </a:extLst>
+          </p:cNvPr>
+          <p:cNvSpPr/>
+          <p:nvPr/>
+        </p:nvSpPr>
+        <p:spPr>
+          <a:xfrm>
+            <a:off x="10915208" y="2994449"/>
+            <a:ext cx="1145220" cy="408373"/>
+          </a:xfrm>
+          <a:prstGeom prst="rect">
+            <a:avLst/>
+          </a:prstGeom>
+          <a:solidFill>
+            <a:schemeClr val="accent2">
+              <a:lumMod val="20000"/>
+              <a:lumOff val="80000"/>
+            </a:schemeClr>
+          </a:solidFill>
+        </p:spPr>
+        <p:style>
+          <a:lnRef idx="1">
+            <a:schemeClr val="accent2"/>
+          </a:lnRef>
+          <a:fillRef idx="2">
+            <a:schemeClr val="accent2"/>
+          </a:fillRef>
+          <a:effectRef idx="1">
+            <a:schemeClr val="accent2"/>
+          </a:effectRef>
+          <a:fontRef idx="minor">
+            <a:schemeClr val="dk1"/>
+          </a:fontRef>
+        </p:style>
+        <p:txBody>
+          <a:bodyPr rtlCol="0" anchor="ctr"/>
+          <a:lstStyle/>
+          <a:p>
+            <a:pPr algn="ctr"/>
+            <a:r>
+              <a:rPr lang="en-US" sz="1300" dirty="0"/>
+              <a:t>US FHIR Core Ballot</a:t>
+            </a:r>
+          </a:p>
+        </p:txBody>
+      </p:sp>
+      <p:sp>
+        <p:nvSpPr>
+          <p:cNvPr id="31" name="Left-Right Arrow 26">
+            <a:extLst>
+              <a:ext uri="{FF2B5EF4-FFF2-40B4-BE49-F238E27FC236}">
+                <a16:creationId xmlns:a16="http://schemas.microsoft.com/office/drawing/2014/main" id="{2B85E5FF-BD30-2FA1-62EB-C62C8F1DE059}"/>
+              </a:ext>
+            </a:extLst>
+          </p:cNvPr>
+          <p:cNvSpPr/>
+          <p:nvPr/>
+        </p:nvSpPr>
+        <p:spPr>
+          <a:xfrm>
+            <a:off x="1500330" y="2331509"/>
+            <a:ext cx="3384402" cy="254767"/>
+          </a:xfrm>
+          <a:prstGeom prst="leftRightArrow">
+            <a:avLst/>
+          </a:prstGeom>
+        </p:spPr>
+        <p:style>
+          <a:lnRef idx="2">
+            <a:schemeClr val="accent1">
+              <a:shade val="50000"/>
+            </a:schemeClr>
+          </a:lnRef>
+          <a:fillRef idx="1">
+            <a:schemeClr val="accent1"/>
+          </a:fillRef>
+          <a:effectRef idx="0">
+            <a:schemeClr val="accent1"/>
+          </a:effectRef>
+          <a:fontRef idx="minor">
+            <a:schemeClr val="lt1"/>
+          </a:fontRef>
+        </p:style>
+        <p:txBody>
+          <a:bodyPr rtlCol="0" anchor="ctr"/>
+          <a:lstStyle/>
+          <a:p>
+            <a:pPr algn="ctr"/>
+            <a:r>
+              <a:rPr lang="en-US" sz="1000" dirty="0"/>
+              <a:t>SVAP Public Comment Period</a:t>
+            </a:r>
+          </a:p>
+        </p:txBody>
+      </p:sp>
+      <p:sp>
+        <p:nvSpPr>
+          <p:cNvPr id="32" name="TextBox 31">
+            <a:extLst>
+              <a:ext uri="{FF2B5EF4-FFF2-40B4-BE49-F238E27FC236}">
+                <a16:creationId xmlns:a16="http://schemas.microsoft.com/office/drawing/2014/main" id="{8DBBC65B-72DD-1A26-7E17-362A8427242F}"/>
+              </a:ext>
+            </a:extLst>
+          </p:cNvPr>
+          <p:cNvSpPr txBox="1"/>
+          <p:nvPr/>
+        </p:nvSpPr>
+        <p:spPr>
+          <a:xfrm>
+            <a:off x="656949" y="4278753"/>
+            <a:ext cx="652743" cy="369332"/>
+          </a:xfrm>
+          <a:prstGeom prst="rect">
+            <a:avLst/>
+          </a:prstGeom>
+          <a:noFill/>
+        </p:spPr>
+        <p:txBody>
+          <a:bodyPr wrap="none" rtlCol="0">
+            <a:spAutoFit/>
+          </a:bodyPr>
+          <a:lstStyle/>
+          <a:p>
+            <a:r>
+              <a:rPr lang="en-US" dirty="0"/>
+              <a:t>2026</a:t>
+            </a:r>
+          </a:p>
+        </p:txBody>
+      </p:sp>
+      <p:sp>
+        <p:nvSpPr>
+          <p:cNvPr id="33" name="Rectangle 32">
+            <a:extLst>
+              <a:ext uri="{FF2B5EF4-FFF2-40B4-BE49-F238E27FC236}">
+                <a16:creationId xmlns:a16="http://schemas.microsoft.com/office/drawing/2014/main" id="{1BFE5F82-1668-4A2A-BF86-2D691373E9B5}"/>
+              </a:ext>
+            </a:extLst>
+          </p:cNvPr>
+          <p:cNvSpPr/>
+          <p:nvPr/>
+        </p:nvSpPr>
+        <p:spPr>
+          <a:xfrm>
+            <a:off x="4998570" y="4952228"/>
+            <a:ext cx="1500063" cy="427893"/>
+          </a:xfrm>
+          <a:prstGeom prst="rect">
+            <a:avLst/>
+          </a:prstGeom>
+        </p:spPr>
+        <p:style>
+          <a:lnRef idx="2">
+            <a:schemeClr val="accent1">
+              <a:shade val="50000"/>
+            </a:schemeClr>
+          </a:lnRef>
+          <a:fillRef idx="1">
+            <a:schemeClr val="accent1"/>
+          </a:fillRef>
+          <a:effectRef idx="0">
+            <a:schemeClr val="accent1"/>
+          </a:effectRef>
+          <a:fontRef idx="minor">
+            <a:schemeClr val="lt1"/>
+          </a:fontRef>
+        </p:style>
+        <p:txBody>
+          <a:bodyPr rtlCol="0" anchor="ctr"/>
+          <a:lstStyle/>
+          <a:p>
+            <a:pPr algn="ctr"/>
+            <a:r>
+              <a:rPr lang="en-US" sz="1400" dirty="0"/>
+              <a:t>ONC SVAP 2026</a:t>
+            </a:r>
+          </a:p>
+        </p:txBody>
+      </p:sp>
+      <p:sp>
+        <p:nvSpPr>
+          <p:cNvPr id="34" name="Rectangle 33">
+            <a:extLst>
+              <a:ext uri="{FF2B5EF4-FFF2-40B4-BE49-F238E27FC236}">
+                <a16:creationId xmlns:a16="http://schemas.microsoft.com/office/drawing/2014/main" id="{F5F33D28-243E-73FE-38E7-88B6F4E74B8B}"/>
+              </a:ext>
+            </a:extLst>
+          </p:cNvPr>
+          <p:cNvSpPr/>
+          <p:nvPr/>
+        </p:nvSpPr>
+        <p:spPr>
+          <a:xfrm>
+            <a:off x="1500329" y="4345123"/>
+            <a:ext cx="1145220" cy="408373"/>
+          </a:xfrm>
+          <a:prstGeom prst="rect">
+            <a:avLst/>
+          </a:prstGeom>
+        </p:spPr>
+        <p:style>
+          <a:lnRef idx="2">
+            <a:schemeClr val="accent1">
+              <a:shade val="50000"/>
+            </a:schemeClr>
+          </a:lnRef>
+          <a:fillRef idx="1">
+            <a:schemeClr val="accent1"/>
+          </a:fillRef>
+          <a:effectRef idx="0">
+            <a:schemeClr val="accent1"/>
+          </a:effectRef>
+          <a:fontRef idx="minor">
+            <a:schemeClr val="lt1"/>
+          </a:fontRef>
+        </p:style>
+        <p:txBody>
+          <a:bodyPr rtlCol="0" anchor="ctr"/>
+          <a:lstStyle/>
+          <a:p>
+            <a:pPr algn="ctr"/>
+            <a:r>
+              <a:rPr lang="en-US" sz="1400" dirty="0"/>
+              <a:t>USCDI </a:t>
+            </a:r>
+          </a:p>
+          <a:p>
+            <a:pPr algn="ctr"/>
+            <a:r>
+              <a:rPr lang="en-US" sz="1400" dirty="0"/>
+              <a:t>Draft v7</a:t>
+            </a:r>
+          </a:p>
+        </p:txBody>
+      </p:sp>
+      <p:sp>
+        <p:nvSpPr>
+          <p:cNvPr id="35" name="Rectangle 34">
+            <a:extLst>
+              <a:ext uri="{FF2B5EF4-FFF2-40B4-BE49-F238E27FC236}">
+                <a16:creationId xmlns:a16="http://schemas.microsoft.com/office/drawing/2014/main" id="{BB98CA5C-FA56-0EFC-37E7-926E5EF67917}"/>
+              </a:ext>
+            </a:extLst>
+          </p:cNvPr>
+          <p:cNvSpPr/>
+          <p:nvPr/>
+        </p:nvSpPr>
+        <p:spPr>
+          <a:xfrm>
+            <a:off x="6221767" y="4345122"/>
+            <a:ext cx="1145220" cy="408373"/>
+          </a:xfrm>
+          <a:prstGeom prst="rect">
+            <a:avLst/>
+          </a:prstGeom>
+        </p:spPr>
+        <p:style>
+          <a:lnRef idx="2">
+            <a:schemeClr val="accent1">
+              <a:shade val="50000"/>
+            </a:schemeClr>
+          </a:lnRef>
+          <a:fillRef idx="1">
+            <a:schemeClr val="accent1"/>
+          </a:fillRef>
+          <a:effectRef idx="0">
+            <a:schemeClr val="accent1"/>
+          </a:effectRef>
+          <a:fontRef idx="minor">
+            <a:schemeClr val="lt1"/>
+          </a:fontRef>
+        </p:style>
+        <p:txBody>
+          <a:bodyPr rtlCol="0" anchor="ctr"/>
+          <a:lstStyle/>
+          <a:p>
+            <a:pPr algn="ctr"/>
+            <a:r>
+              <a:rPr lang="en-US" sz="1400" dirty="0"/>
+              <a:t>USCDI </a:t>
+            </a:r>
+          </a:p>
+          <a:p>
+            <a:pPr algn="ctr"/>
+            <a:r>
+              <a:rPr lang="en-US" sz="1400" dirty="0"/>
+              <a:t>Final v7</a:t>
+            </a:r>
+          </a:p>
+        </p:txBody>
+      </p:sp>
+      <p:sp>
+        <p:nvSpPr>
+          <p:cNvPr id="36" name="Left-Right Arrow 51">
+            <a:extLst>
+              <a:ext uri="{FF2B5EF4-FFF2-40B4-BE49-F238E27FC236}">
+                <a16:creationId xmlns:a16="http://schemas.microsoft.com/office/drawing/2014/main" id="{1A91FECE-C158-B24C-B868-BEAD1C3FFF97}"/>
+              </a:ext>
+            </a:extLst>
+          </p:cNvPr>
+          <p:cNvSpPr/>
+          <p:nvPr/>
+        </p:nvSpPr>
+        <p:spPr>
+          <a:xfrm>
+            <a:off x="2754553" y="4395419"/>
+            <a:ext cx="1194278" cy="254767"/>
+          </a:xfrm>
+          <a:prstGeom prst="leftRightArrow">
+            <a:avLst/>
+          </a:prstGeom>
+        </p:spPr>
+        <p:style>
+          <a:lnRef idx="2">
+            <a:schemeClr val="accent1">
+              <a:shade val="50000"/>
+            </a:schemeClr>
+          </a:lnRef>
+          <a:fillRef idx="1">
+            <a:schemeClr val="accent1"/>
+          </a:fillRef>
+          <a:effectRef idx="0">
+            <a:schemeClr val="accent1"/>
+          </a:effectRef>
+          <a:fontRef idx="minor">
+            <a:schemeClr val="lt1"/>
+          </a:fontRef>
+        </p:style>
+        <p:txBody>
+          <a:bodyPr rtlCol="0" anchor="ctr"/>
+          <a:lstStyle/>
+          <a:p>
+            <a:pPr algn="ctr"/>
+            <a:r>
+              <a:rPr lang="en-US" sz="1000" dirty="0"/>
+              <a:t>Comment Period</a:t>
+            </a:r>
+          </a:p>
+        </p:txBody>
+      </p:sp>
+      <p:sp>
+        <p:nvSpPr>
+          <p:cNvPr id="37" name="Rectangle 36">
+            <a:extLst>
+              <a:ext uri="{FF2B5EF4-FFF2-40B4-BE49-F238E27FC236}">
+                <a16:creationId xmlns:a16="http://schemas.microsoft.com/office/drawing/2014/main" id="{76D347F8-15D0-3DB5-7769-C25391BA65EE}"/>
+              </a:ext>
+            </a:extLst>
+          </p:cNvPr>
+          <p:cNvSpPr/>
+          <p:nvPr/>
+        </p:nvSpPr>
+        <p:spPr>
+          <a:xfrm>
+            <a:off x="1500329" y="5783615"/>
+            <a:ext cx="1145220" cy="408373"/>
+          </a:xfrm>
+          <a:prstGeom prst="rect">
+            <a:avLst/>
+          </a:prstGeom>
+          <a:solidFill>
+            <a:schemeClr val="accent2">
+              <a:lumMod val="20000"/>
+              <a:lumOff val="80000"/>
+            </a:schemeClr>
+          </a:solidFill>
+        </p:spPr>
+        <p:style>
+          <a:lnRef idx="1">
+            <a:schemeClr val="accent2"/>
+          </a:lnRef>
+          <a:fillRef idx="2">
+            <a:schemeClr val="accent2"/>
+          </a:fillRef>
+          <a:effectRef idx="1">
+            <a:schemeClr val="accent2"/>
+          </a:effectRef>
+          <a:fontRef idx="minor">
+            <a:schemeClr val="dk1"/>
+          </a:fontRef>
+        </p:style>
+        <p:txBody>
+          <a:bodyPr rtlCol="0" anchor="ctr"/>
+          <a:lstStyle/>
+          <a:p>
+            <a:pPr algn="ctr"/>
+            <a:r>
+              <a:rPr lang="en-US" sz="1300" dirty="0"/>
+              <a:t>US FHIR Core Ballot</a:t>
+            </a:r>
+          </a:p>
+        </p:txBody>
+      </p:sp>
+      <p:sp>
+        <p:nvSpPr>
+          <p:cNvPr id="39" name="Left-Right Arrow 26">
+            <a:extLst>
+              <a:ext uri="{FF2B5EF4-FFF2-40B4-BE49-F238E27FC236}">
+                <a16:creationId xmlns:a16="http://schemas.microsoft.com/office/drawing/2014/main" id="{A9F6D30C-435B-F3C2-134E-2A41C8D77FC7}"/>
+              </a:ext>
+            </a:extLst>
+          </p:cNvPr>
+          <p:cNvSpPr/>
+          <p:nvPr/>
+        </p:nvSpPr>
+        <p:spPr>
+          <a:xfrm>
+            <a:off x="4057835" y="4388499"/>
+            <a:ext cx="2052818" cy="254767"/>
+          </a:xfrm>
+          <a:prstGeom prst="leftRightArrow">
+            <a:avLst/>
+          </a:prstGeom>
+        </p:spPr>
+        <p:style>
+          <a:lnRef idx="2">
+            <a:schemeClr val="accent1">
+              <a:shade val="50000"/>
+            </a:schemeClr>
+          </a:lnRef>
+          <a:fillRef idx="1">
+            <a:schemeClr val="accent1"/>
+          </a:fillRef>
+          <a:effectRef idx="0">
+            <a:schemeClr val="accent1"/>
+          </a:effectRef>
+          <a:fontRef idx="minor">
+            <a:schemeClr val="lt1"/>
+          </a:fontRef>
+        </p:style>
+        <p:txBody>
+          <a:bodyPr rtlCol="0" anchor="ctr"/>
+          <a:lstStyle/>
+          <a:p>
+            <a:pPr algn="ctr"/>
+            <a:r>
+              <a:rPr lang="en-US" sz="1000" dirty="0"/>
+              <a:t>ONC Review</a:t>
+            </a:r>
+          </a:p>
+        </p:txBody>
+      </p:sp>
+      <p:sp>
+        <p:nvSpPr>
+          <p:cNvPr id="41" name="Rounded Rectangle 23">
+            <a:extLst>
+              <a:ext uri="{FF2B5EF4-FFF2-40B4-BE49-F238E27FC236}">
+                <a16:creationId xmlns:a16="http://schemas.microsoft.com/office/drawing/2014/main" id="{91F1916F-728D-495A-392E-9D9F473A5E08}"/>
+              </a:ext>
+            </a:extLst>
+          </p:cNvPr>
+          <p:cNvSpPr/>
+          <p:nvPr/>
+        </p:nvSpPr>
+        <p:spPr>
+          <a:xfrm>
+            <a:off x="4397665" y="6225403"/>
+            <a:ext cx="7662763" cy="597452"/>
+          </a:xfrm>
+          <a:prstGeom prst="roundRect">
+            <a:avLst/>
+          </a:prstGeom>
+          <a:solidFill>
+            <a:schemeClr val="accent2">
+              <a:lumMod val="20000"/>
+              <a:lumOff val="80000"/>
+            </a:schemeClr>
+          </a:solidFill>
+        </p:spPr>
+        <p:style>
+          <a:lnRef idx="1">
+            <a:schemeClr val="accent2"/>
+          </a:lnRef>
+          <a:fillRef idx="2">
+            <a:schemeClr val="accent2"/>
+          </a:fillRef>
+          <a:effectRef idx="1">
+            <a:schemeClr val="accent2"/>
+          </a:effectRef>
+          <a:fontRef idx="minor">
+            <a:schemeClr val="dk1"/>
+          </a:fontRef>
+        </p:style>
+        <p:txBody>
+          <a:bodyPr rtlCol="0" anchor="ctr"/>
+          <a:lstStyle/>
+          <a:p>
+            <a:pPr algn="ctr"/>
+            <a:r>
+              <a:rPr lang="en-US" sz="1400" dirty="0">
+                <a:solidFill>
+                  <a:sysClr val="windowText" lastClr="000000"/>
+                </a:solidFill>
+              </a:rPr>
+              <a:t>Industry testing/piloting prior to and feeding into US FHIR Core Updates Ballot – </a:t>
+            </a:r>
+            <a:r>
+              <a:rPr lang="en-US" sz="1400" b="1" dirty="0">
+                <a:solidFill>
+                  <a:sysClr val="windowText" lastClr="000000"/>
+                </a:solidFill>
+              </a:rPr>
+              <a:t>Not Limited to USCDI</a:t>
+            </a:r>
+          </a:p>
+          <a:p>
+            <a:pPr algn="ctr"/>
+            <a:r>
+              <a:rPr lang="en-US" sz="1400" dirty="0">
+                <a:solidFill>
+                  <a:sysClr val="windowText" lastClr="000000"/>
+                </a:solidFill>
+              </a:rPr>
+              <a:t>(Continuous build updated)</a:t>
+            </a:r>
+          </a:p>
+        </p:txBody>
+      </p:sp>
+      <p:sp>
+        <p:nvSpPr>
+          <p:cNvPr id="49" name="Left-Right Arrow 26">
+            <a:extLst>
+              <a:ext uri="{FF2B5EF4-FFF2-40B4-BE49-F238E27FC236}">
+                <a16:creationId xmlns:a16="http://schemas.microsoft.com/office/drawing/2014/main" id="{D02D3B87-1DAA-F187-FDA8-AC9864E9E571}"/>
+              </a:ext>
+            </a:extLst>
+          </p:cNvPr>
+          <p:cNvSpPr/>
+          <p:nvPr/>
+        </p:nvSpPr>
+        <p:spPr>
+          <a:xfrm>
+            <a:off x="2754553" y="5842304"/>
+            <a:ext cx="2581069" cy="240846"/>
+          </a:xfrm>
+          <a:prstGeom prst="leftRightArrow">
+            <a:avLst/>
+          </a:prstGeom>
+          <a:solidFill>
+            <a:schemeClr val="accent2">
+              <a:lumMod val="75000"/>
+            </a:schemeClr>
+          </a:solidFill>
+        </p:spPr>
+        <p:style>
+          <a:lnRef idx="2">
+            <a:schemeClr val="accent1">
+              <a:shade val="50000"/>
+            </a:schemeClr>
+          </a:lnRef>
+          <a:fillRef idx="1">
+            <a:schemeClr val="accent1"/>
+          </a:fillRef>
+          <a:effectRef idx="0">
+            <a:schemeClr val="accent1"/>
+          </a:effectRef>
+          <a:fontRef idx="minor">
+            <a:schemeClr val="lt1"/>
+          </a:fontRef>
+        </p:style>
+        <p:txBody>
+          <a:bodyPr rtlCol="0" anchor="ctr"/>
+          <a:lstStyle/>
+          <a:p>
+            <a:pPr algn="ctr"/>
+            <a:r>
+              <a:rPr lang="en-US" sz="1000" dirty="0"/>
+              <a:t>Ballot Resolution</a:t>
+            </a:r>
+          </a:p>
+        </p:txBody>
+      </p:sp>
+      <p:sp>
+        <p:nvSpPr>
+          <p:cNvPr id="50" name="Star: 5 Points 49">
+            <a:extLst>
+              <a:ext uri="{FF2B5EF4-FFF2-40B4-BE49-F238E27FC236}">
+                <a16:creationId xmlns:a16="http://schemas.microsoft.com/office/drawing/2014/main" id="{9574AC0C-81FA-C16F-523D-6AE31A3D0FA3}"/>
+              </a:ext>
+            </a:extLst>
+          </p:cNvPr>
+          <p:cNvSpPr/>
+          <p:nvPr/>
+        </p:nvSpPr>
+        <p:spPr>
+          <a:xfrm>
+            <a:off x="5386878" y="5830072"/>
+            <a:ext cx="245688" cy="241888"/>
+          </a:xfrm>
+          <a:prstGeom prst="star5">
+            <a:avLst/>
+          </a:prstGeom>
+        </p:spPr>
+        <p:style>
+          <a:lnRef idx="2">
+            <a:schemeClr val="accent1">
+              <a:shade val="50000"/>
+            </a:schemeClr>
+          </a:lnRef>
+          <a:fillRef idx="1">
+            <a:schemeClr val="accent1"/>
+          </a:fillRef>
+          <a:effectRef idx="0">
+            <a:schemeClr val="accent1"/>
+          </a:effectRef>
+          <a:fontRef idx="minor">
+            <a:schemeClr val="lt1"/>
+          </a:fontRef>
+        </p:style>
+        <p:txBody>
+          <a:bodyPr rtlCol="0" anchor="ctr"/>
+          <a:lstStyle/>
+          <a:p>
+            <a:pPr algn="ctr"/>
+            <a:endParaRPr lang="en-US"/>
+          </a:p>
+        </p:txBody>
+      </p:sp>
+      <p:sp>
+        <p:nvSpPr>
+          <p:cNvPr id="51" name="TextBox 50">
+            <a:extLst>
+              <a:ext uri="{FF2B5EF4-FFF2-40B4-BE49-F238E27FC236}">
+                <a16:creationId xmlns:a16="http://schemas.microsoft.com/office/drawing/2014/main" id="{EF89CF5B-5587-2482-3403-A9814DD20960}"/>
+              </a:ext>
+            </a:extLst>
+          </p:cNvPr>
+          <p:cNvSpPr txBox="1"/>
+          <p:nvPr/>
+        </p:nvSpPr>
+        <p:spPr>
+          <a:xfrm>
+            <a:off x="4884731" y="5615090"/>
+            <a:ext cx="1726064" cy="261610"/>
+          </a:xfrm>
+          <a:prstGeom prst="rect">
+            <a:avLst/>
+          </a:prstGeom>
+          <a:noFill/>
+        </p:spPr>
+        <p:txBody>
+          <a:bodyPr wrap="square">
+            <a:spAutoFit/>
+          </a:bodyPr>
+          <a:lstStyle/>
+          <a:p>
+            <a:pPr algn="ctr"/>
+            <a:r>
+              <a:rPr lang="en-US" sz="1100" b="1" dirty="0"/>
+              <a:t>9.0.0 Publication!</a:t>
+            </a:r>
+          </a:p>
+        </p:txBody>
+      </p:sp>
+      <p:sp>
+        <p:nvSpPr>
+          <p:cNvPr id="53" name="Rectangle 52">
+            <a:extLst>
+              <a:ext uri="{FF2B5EF4-FFF2-40B4-BE49-F238E27FC236}">
+                <a16:creationId xmlns:a16="http://schemas.microsoft.com/office/drawing/2014/main" id="{5D57B98D-246F-2C05-2323-050A529CE780}"/>
+              </a:ext>
+            </a:extLst>
+          </p:cNvPr>
+          <p:cNvSpPr/>
+          <p:nvPr/>
+        </p:nvSpPr>
+        <p:spPr>
+          <a:xfrm>
+            <a:off x="10915208" y="5740308"/>
+            <a:ext cx="1145220" cy="408373"/>
+          </a:xfrm>
+          <a:prstGeom prst="rect">
+            <a:avLst/>
+          </a:prstGeom>
+          <a:solidFill>
+            <a:schemeClr val="accent2">
+              <a:lumMod val="20000"/>
+              <a:lumOff val="80000"/>
+            </a:schemeClr>
+          </a:solidFill>
+        </p:spPr>
+        <p:style>
+          <a:lnRef idx="1">
+            <a:schemeClr val="accent2"/>
+          </a:lnRef>
+          <a:fillRef idx="2">
+            <a:schemeClr val="accent2"/>
+          </a:fillRef>
+          <a:effectRef idx="1">
+            <a:schemeClr val="accent2"/>
+          </a:effectRef>
+          <a:fontRef idx="minor">
+            <a:schemeClr val="dk1"/>
+          </a:fontRef>
+        </p:style>
+        <p:txBody>
+          <a:bodyPr rtlCol="0" anchor="ctr"/>
+          <a:lstStyle/>
+          <a:p>
+            <a:pPr algn="ctr"/>
+            <a:r>
+              <a:rPr lang="en-US" sz="1300" dirty="0"/>
+              <a:t>US FHIR Core Ballot</a:t>
+            </a:r>
+          </a:p>
+        </p:txBody>
+      </p:sp>
+      <p:sp>
+        <p:nvSpPr>
+          <p:cNvPr id="54" name="Left-Right Arrow 26">
+            <a:extLst>
+              <a:ext uri="{FF2B5EF4-FFF2-40B4-BE49-F238E27FC236}">
+                <a16:creationId xmlns:a16="http://schemas.microsoft.com/office/drawing/2014/main" id="{313312D2-8031-251A-6696-C28C49C2E151}"/>
+              </a:ext>
+            </a:extLst>
+          </p:cNvPr>
+          <p:cNvSpPr/>
+          <p:nvPr/>
+        </p:nvSpPr>
+        <p:spPr>
+          <a:xfrm>
+            <a:off x="1500330" y="5077368"/>
+            <a:ext cx="3384402" cy="254767"/>
+          </a:xfrm>
+          <a:prstGeom prst="leftRightArrow">
+            <a:avLst/>
+          </a:prstGeom>
+        </p:spPr>
+        <p:style>
+          <a:lnRef idx="2">
+            <a:schemeClr val="accent1">
+              <a:shade val="50000"/>
+            </a:schemeClr>
+          </a:lnRef>
+          <a:fillRef idx="1">
+            <a:schemeClr val="accent1"/>
+          </a:fillRef>
+          <a:effectRef idx="0">
+            <a:schemeClr val="accent1"/>
+          </a:effectRef>
+          <a:fontRef idx="minor">
+            <a:schemeClr val="lt1"/>
+          </a:fontRef>
+        </p:style>
+        <p:txBody>
+          <a:bodyPr rtlCol="0" anchor="ctr"/>
+          <a:lstStyle/>
+          <a:p>
+            <a:pPr algn="ctr"/>
+            <a:r>
+              <a:rPr lang="en-US" sz="1000" dirty="0"/>
+              <a:t>SVAP Public Comment Period</a:t>
+            </a:r>
+          </a:p>
+        </p:txBody>
+      </p:sp>
+    </p:spTree>
+    <p:extLst>
+      <p:ext uri="{BB962C8B-B14F-4D97-AF65-F5344CB8AC3E}">
+        <p14:creationId xmlns:p14="http://schemas.microsoft.com/office/powerpoint/2010/main" val="4283471149"/>
       </p:ext>
     </p:extLst>
   </p:cSld>
@@ -8876,18 +10627,18 @@
 </file>
 
 <file path=customXml/item1.xml><?xml version="1.0" encoding="utf-8"?>
-<p:properties xmlns:p="http://schemas.microsoft.com/office/2006/metadata/properties" xmlns:xsi="http://www.w3.org/2001/XMLSchema-instance" xmlns:pc="http://schemas.microsoft.com/office/infopath/2007/PartnerControls">
-  <documentManagement/>
-</p:properties>
-</file>
-
-<file path=customXml/item2.xml><?xml version="1.0" encoding="utf-8"?>
 <?mso-contentType ?>
 <FormTemplates xmlns="http://schemas.microsoft.com/sharepoint/v3/contenttype/forms">
   <Display>DocumentLibraryForm</Display>
   <Edit>DocumentLibraryForm</Edit>
   <New>DocumentLibraryForm</New>
 </FormTemplates>
+</file>
+
+<file path=customXml/item2.xml><?xml version="1.0" encoding="utf-8"?>
+<p:properties xmlns:p="http://schemas.microsoft.com/office/2006/metadata/properties" xmlns:xsi="http://www.w3.org/2001/XMLSchema-instance" xmlns:pc="http://schemas.microsoft.com/office/infopath/2007/PartnerControls">
+  <documentManagement/>
+</p:properties>
 </file>
 
 <file path=customXml/item3.xml><?xml version="1.0" encoding="utf-8"?>
@@ -9114,18 +10865,18 @@
 </file>
 
 <file path=customXml/itemProps1.xml><?xml version="1.0" encoding="utf-8"?>
-<ds:datastoreItem xmlns:ds="http://schemas.openxmlformats.org/officeDocument/2006/customXml" ds:itemID="{BB818741-D1A3-4EC7-8034-D073A29248B8}">
+<ds:datastoreItem xmlns:ds="http://schemas.openxmlformats.org/officeDocument/2006/customXml" ds:itemID="{58661D4B-8AE6-4905-8B93-C5D7EACB29CC}">
   <ds:schemaRefs>
-    <ds:schemaRef ds:uri="http://schemas.microsoft.com/office/2006/metadata/properties"/>
-    <ds:schemaRef ds:uri="http://schemas.microsoft.com/office/infopath/2007/PartnerControls"/>
+    <ds:schemaRef ds:uri="http://schemas.microsoft.com/sharepoint/v3/contenttype/forms"/>
   </ds:schemaRefs>
 </ds:datastoreItem>
 </file>
 
 <file path=customXml/itemProps2.xml><?xml version="1.0" encoding="utf-8"?>
-<ds:datastoreItem xmlns:ds="http://schemas.openxmlformats.org/officeDocument/2006/customXml" ds:itemID="{58661D4B-8AE6-4905-8B93-C5D7EACB29CC}">
+<ds:datastoreItem xmlns:ds="http://schemas.openxmlformats.org/officeDocument/2006/customXml" ds:itemID="{BB818741-D1A3-4EC7-8034-D073A29248B8}">
   <ds:schemaRefs>
-    <ds:schemaRef ds:uri="http://schemas.microsoft.com/sharepoint/v3/contenttype/forms"/>
+    <ds:schemaRef ds:uri="http://schemas.microsoft.com/office/2006/metadata/properties"/>
+    <ds:schemaRef ds:uri="http://schemas.microsoft.com/office/infopath/2007/PartnerControls"/>
   </ds:schemaRefs>
 </ds:datastoreItem>
 </file>
